--- a/hack1.pptx
+++ b/hack1.pptx
@@ -2241,10 +2241,10 @@
       </p:grpSpPr>
       <p:sp>
         <p:nvSpPr>
-          <p:cNvPr id="39" name="Rectangle 9">
+          <p:cNvPr id="45" name="Rectangle 44">
             <a:extLst>
               <a:ext uri="{FF2B5EF4-FFF2-40B4-BE49-F238E27FC236}">
-                <a16:creationId xmlns:a16="http://schemas.microsoft.com/office/drawing/2014/main" id="{7905BA41-EE6E-4F80-8636-447F22DD729A}"/>
+                <a16:creationId xmlns:a16="http://schemas.microsoft.com/office/drawing/2014/main" id="{029DE7B6-DC7C-4BA1-B406-EDDA0C0A31C4}"/>
               </a:ext>
               <a:ext uri="{C183D7F6-B498-43B3-948B-1728B52AA6E4}">
                 <adec:decorative xmlns:adec="http://schemas.microsoft.com/office/drawing/2017/decorative" val="1"/>
@@ -2264,8 +2264,8 @@
         </p:nvSpPr>
         <p:spPr>
           <a:xfrm>
-            <a:off x="0" y="0"/>
-            <a:ext cx="24384000" cy="13716000"/>
+            <a:off x="9308592" y="-4"/>
+            <a:ext cx="15075408" cy="13716004"/>
           </a:xfrm>
           <a:prstGeom prst="rect">
             <a:avLst/>
@@ -2343,8 +2343,8 @@
         </p:nvSpPr>
         <p:spPr>
           <a:xfrm>
-            <a:off x="3696930" y="6597444"/>
-            <a:ext cx="16990140" cy="3568804"/>
+            <a:off x="10379240" y="2612142"/>
+            <a:ext cx="10956758" cy="5326814"/>
           </a:xfrm>
         </p:spPr>
         <p:txBody>
@@ -2353,7 +2353,7 @@
           </a:bodyPr>
           <a:lstStyle/>
           <a:p>
-            <a:pPr algn="ctr" defTabSz="914400" rtl="0">
+            <a:pPr defTabSz="914400" rtl="0">
               <a:lnSpc>
                 <a:spcPct val="90000"/>
               </a:lnSpc>
@@ -2362,7 +2362,7 @@
               </a:spcBef>
             </a:pPr>
             <a:r>
-              <a:rPr lang="en-US" sz="6000" kern="1200" dirty="0">
+              <a:rPr lang="en-US" sz="9200" kern="1200">
                 <a:solidFill>
                   <a:srgbClr val="FFFFFF"/>
                 </a:solidFill>
@@ -2373,7 +2373,7 @@
               <a:t>Hack-A-Crawl</a:t>
             </a:r>
             <a:br>
-              <a:rPr lang="en-US" sz="6000" kern="1200" dirty="0">
+              <a:rPr lang="en-US" sz="9200" kern="1200">
                 <a:solidFill>
                   <a:srgbClr val="FFFFFF"/>
                 </a:solidFill>
@@ -2383,7 +2383,7 @@
               </a:rPr>
             </a:br>
             <a:r>
-              <a:rPr lang="en-US" sz="6000" kern="1200" dirty="0">
+              <a:rPr lang="en-US" sz="9200" kern="1200">
                 <a:solidFill>
                   <a:srgbClr val="FFFFFF"/>
                 </a:solidFill>
@@ -2391,27 +2391,8 @@
                 <a:ea typeface="+mj-ea"/>
                 <a:cs typeface="+mj-cs"/>
               </a:rPr>
-              <a:t>Create , Share and Invite your buddies to your </a:t>
-            </a:r>
-            <a:r>
-              <a:rPr lang="en-US" sz="6000" kern="1200">
-                <a:solidFill>
-                  <a:srgbClr val="FFFFFF"/>
-                </a:solidFill>
-                <a:latin typeface="+mj-lt"/>
-                <a:ea typeface="+mj-ea"/>
-                <a:cs typeface="+mj-cs"/>
-              </a:rPr>
-              <a:t>pub crawl</a:t>
-            </a:r>
-            <a:endParaRPr lang="en-US" sz="6000" kern="1200" dirty="0">
-              <a:solidFill>
-                <a:srgbClr val="FFFFFF"/>
-              </a:solidFill>
-              <a:latin typeface="+mj-lt"/>
-              <a:ea typeface="+mj-ea"/>
-              <a:cs typeface="+mj-cs"/>
-            </a:endParaRPr>
+              <a:t>Create , Share and Invite your buddies to your pub crawl</a:t>
+            </a:r>
           </a:p>
         </p:txBody>
       </p:sp>
@@ -2427,8 +2408,8 @@
         </p:nvSpPr>
         <p:spPr>
           <a:xfrm>
-            <a:off x="3696930" y="10517702"/>
-            <a:ext cx="16990140" cy="1808010"/>
+            <a:off x="10379240" y="8212008"/>
+            <a:ext cx="10956760" cy="3721766"/>
           </a:xfrm>
         </p:spPr>
         <p:txBody>
@@ -2437,7 +2418,7 @@
           </a:bodyPr>
           <a:lstStyle/>
           <a:p>
-            <a:pPr algn="ctr" defTabSz="914400" rtl="0">
+            <a:pPr defTabSz="914400" rtl="0">
               <a:lnSpc>
                 <a:spcPct val="90000"/>
               </a:lnSpc>
@@ -2456,100 +2437,6 @@
               </a:rPr>
               <a:t>Mathew Ho, Miruna Rusu ,Rahul Gupta , Roxana Tugulea</a:t>
             </a:r>
-          </a:p>
-        </p:txBody>
-      </p:sp>
-      <p:sp>
-        <p:nvSpPr>
-          <p:cNvPr id="40" name="Oval 11">
-            <a:extLst>
-              <a:ext uri="{FF2B5EF4-FFF2-40B4-BE49-F238E27FC236}">
-                <a16:creationId xmlns:a16="http://schemas.microsoft.com/office/drawing/2014/main" id="{CD7549B2-EE05-4558-8C64-AC46755F2B25}"/>
-              </a:ext>
-              <a:ext uri="{C183D7F6-B498-43B3-948B-1728B52AA6E4}">
-                <adec:decorative xmlns:adec="http://schemas.microsoft.com/office/drawing/2017/decorative" val="1"/>
-              </a:ext>
-            </a:extLst>
-          </p:cNvPr>
-          <p:cNvSpPr>
-            <a:spLocks noGrp="1" noRot="1" noChangeAspect="1" noMove="1" noResize="1" noEditPoints="1" noAdjustHandles="1" noChangeArrowheads="1" noChangeShapeType="1" noTextEdit="1"/>
-          </p:cNvSpPr>
-          <p:nvPr>
-            <p:extLst>
-              <p:ext uri="{386F3935-93C4-4BCD-93E2-E3B085C9AB24}">
-                <p16:designElem xmlns:p16="http://schemas.microsoft.com/office/powerpoint/2015/main" val="1"/>
-              </p:ext>
-            </p:extLst>
-          </p:nvPr>
-        </p:nvSpPr>
-        <p:spPr>
-          <a:xfrm>
-            <a:off x="10051828" y="1778502"/>
-            <a:ext cx="4280344" cy="4280344"/>
-          </a:xfrm>
-          <a:prstGeom prst="ellipse">
-            <a:avLst/>
-          </a:prstGeom>
-          <a:solidFill>
-            <a:srgbClr val="FFFFFF"/>
-          </a:solidFill>
-          <a:ln w="19050">
-            <a:solidFill>
-              <a:srgbClr val="6480FF"/>
-            </a:solidFill>
-          </a:ln>
-        </p:spPr>
-        <p:style>
-          <a:lnRef idx="2">
-            <a:schemeClr val="accent1">
-              <a:shade val="50000"/>
-            </a:schemeClr>
-          </a:lnRef>
-          <a:fillRef idx="1">
-            <a:schemeClr val="accent1"/>
-          </a:fillRef>
-          <a:effectRef idx="0">
-            <a:schemeClr val="accent1"/>
-          </a:effectRef>
-          <a:fontRef idx="minor">
-            <a:schemeClr val="lt1"/>
-          </a:fontRef>
-        </p:style>
-        <p:txBody>
-          <a:bodyPr rtlCol="0" anchor="ctr"/>
-          <a:lstStyle/>
-          <a:p>
-            <a:pPr marL="0" marR="0" lvl="0" indent="0" algn="ctr" defTabSz="914400" rtl="0" eaLnBrk="1" fontAlgn="auto" latinLnBrk="0" hangingPunct="1">
-              <a:lnSpc>
-                <a:spcPct val="100000"/>
-              </a:lnSpc>
-              <a:spcBef>
-                <a:spcPts val="0"/>
-              </a:spcBef>
-              <a:spcAft>
-                <a:spcPts val="0"/>
-              </a:spcAft>
-              <a:buClrTx/>
-              <a:buSzTx/>
-              <a:buFontTx/>
-              <a:buNone/>
-              <a:tabLst/>
-              <a:defRPr/>
-            </a:pPr>
-            <a:endParaRPr kumimoji="0" lang="en-US" sz="1800" b="0" i="0" u="none" strike="noStrike" kern="1200" cap="none" spc="0" normalizeH="0" baseline="0" noProof="0">
-              <a:ln>
-                <a:noFill/>
-              </a:ln>
-              <a:solidFill>
-                <a:prstClr val="white"/>
-              </a:solidFill>
-              <a:effectLst/>
-              <a:uLnTx/>
-              <a:uFillTx/>
-              <a:latin typeface="Calibri" panose="020F0502020204030204"/>
-              <a:ea typeface="+mn-ea"/>
-              <a:cs typeface="+mn-cs"/>
-            </a:endParaRPr>
           </a:p>
         </p:txBody>
       </p:sp>
@@ -2575,8 +2462,8 @@
         </p:blipFill>
         <p:spPr>
           <a:xfrm>
-            <a:off x="10369432" y="3553642"/>
-            <a:ext cx="3657942" cy="807344"/>
+            <a:off x="303914" y="4794623"/>
+            <a:ext cx="9004678" cy="2063375"/>
           </a:xfrm>
           <a:prstGeom prst="rect">
             <a:avLst/>
@@ -2591,7 +2478,7 @@
     </p:extLst>
   </p:cSld>
   <p:clrMapOvr>
-    <a:overrideClrMapping bg1="lt1" tx1="dk1" bg2="lt2" tx2="dk2" accent1="accent1" accent2="accent2" accent3="accent3" accent4="accent4" accent5="accent5" accent6="accent6" hlink="hlink" folHlink="folHlink"/>
+    <a:masterClrMapping/>
   </p:clrMapOvr>
   <mc:AlternateContent xmlns:mc="http://schemas.openxmlformats.org/markup-compatibility/2006" xmlns:p14="http://schemas.microsoft.com/office/powerpoint/2010/main">
     <mc:Choice Requires="p14">
@@ -2694,28 +2581,6 @@
             <a:r>
               <a:rPr lang="en-US" dirty="0"/>
               <a:t>Inspiration</a:t>
-            </a:r>
-          </a:p>
-        </p:txBody>
-      </p:sp>
-      <p:sp>
-        <p:nvSpPr>
-          <p:cNvPr id="4" name="Text Placeholder 3"/>
-          <p:cNvSpPr>
-            <a:spLocks noGrp="1"/>
-          </p:cNvSpPr>
-          <p:nvPr>
-            <p:ph type="body" sz="quarter" idx="10"/>
-          </p:nvPr>
-        </p:nvSpPr>
-        <p:spPr/>
-        <p:txBody>
-          <a:bodyPr/>
-          <a:lstStyle/>
-          <a:p>
-            <a:r>
-              <a:rPr lang="en-US" dirty="0"/>
-              <a:t>Slide Subtitle</a:t>
             </a:r>
           </a:p>
         </p:txBody>
@@ -2775,7 +2640,7 @@
         <p:spPr>
           <a:xfrm>
             <a:off x="1524000" y="4826000"/>
-            <a:ext cx="11416145" cy="6096000"/>
+            <a:ext cx="16482646" cy="6096000"/>
           </a:xfrm>
         </p:spPr>
         <p:txBody>
@@ -2787,7 +2652,7 @@
             </a:pPr>
             <a:r>
               <a:rPr lang="en-US" dirty="0"/>
-              <a:t>              Frontend</a:t>
+              <a:t>Frontend: React Native</a:t>
             </a:r>
           </a:p>
           <a:p>
@@ -2796,7 +2661,7 @@
             </a:pPr>
             <a:r>
               <a:rPr lang="en-US" dirty="0"/>
-              <a:t>React native</a:t>
+              <a:t>Backend : MongoDB , JavaScript</a:t>
             </a:r>
           </a:p>
         </p:txBody>
@@ -2819,230 +2684,6 @@
             <a:r>
               <a:rPr lang="en-US" dirty="0"/>
               <a:t>Technologies Used	</a:t>
-            </a:r>
-          </a:p>
-        </p:txBody>
-      </p:sp>
-      <p:sp>
-        <p:nvSpPr>
-          <p:cNvPr id="8" name="Text Placeholder 3">
-            <a:extLst>
-              <a:ext uri="{FF2B5EF4-FFF2-40B4-BE49-F238E27FC236}">
-                <a16:creationId xmlns:a16="http://schemas.microsoft.com/office/drawing/2014/main" id="{884B53A3-FBE5-0746-BE8A-876851EBA4C3}"/>
-              </a:ext>
-            </a:extLst>
-          </p:cNvPr>
-          <p:cNvSpPr>
-            <a:spLocks noGrp="1"/>
-          </p:cNvSpPr>
-          <p:nvPr>
-            <p:ph type="body" sz="quarter" idx="10"/>
-          </p:nvPr>
-        </p:nvSpPr>
-        <p:spPr/>
-        <p:txBody>
-          <a:bodyPr/>
-          <a:lstStyle/>
-          <a:p>
-            <a:r>
-              <a:rPr lang="en-US" dirty="0"/>
-              <a:t>Slide Subtitle</a:t>
-            </a:r>
-          </a:p>
-        </p:txBody>
-      </p:sp>
-      <p:sp>
-        <p:nvSpPr>
-          <p:cNvPr id="5" name="Text Placeholder 1">
-            <a:extLst>
-              <a:ext uri="{FF2B5EF4-FFF2-40B4-BE49-F238E27FC236}">
-                <a16:creationId xmlns:a16="http://schemas.microsoft.com/office/drawing/2014/main" id="{D52CAF00-AAE8-4491-800E-F7F622E54CCA}"/>
-              </a:ext>
-            </a:extLst>
-          </p:cNvPr>
-          <p:cNvSpPr txBox="1">
-            <a:spLocks/>
-          </p:cNvSpPr>
-          <p:nvPr/>
-        </p:nvSpPr>
-        <p:spPr>
-          <a:xfrm>
-            <a:off x="12192000" y="4826000"/>
-            <a:ext cx="11416145" cy="6096000"/>
-          </a:xfrm>
-          <a:prstGeom prst="rect">
-            <a:avLst/>
-          </a:prstGeom>
-        </p:spPr>
-        <p:txBody>
-          <a:bodyPr vert="horz" lIns="0" tIns="0" rIns="0" bIns="0"/>
-          <a:lstStyle>
-            <a:lvl1pPr marL="571500" marR="0" indent="-571500" algn="l" defTabSz="546100" eaLnBrk="1" fontAlgn="auto" latinLnBrk="0" hangingPunct="1">
-              <a:lnSpc>
-                <a:spcPct val="120000"/>
-              </a:lnSpc>
-              <a:spcBef>
-                <a:spcPts val="0"/>
-              </a:spcBef>
-              <a:spcAft>
-                <a:spcPts val="0"/>
-              </a:spcAft>
-              <a:buClr>
-                <a:srgbClr val="5890FF"/>
-              </a:buClr>
-              <a:buSzPct val="100000"/>
-              <a:buFont typeface="Arial"/>
-              <a:buChar char="•"/>
-              <a:tabLst/>
-              <a:defRPr sz="7000" baseline="0">
-                <a:solidFill>
-                  <a:schemeClr val="bg1"/>
-                </a:solidFill>
-                <a:latin typeface="FreightSansLFPro"/>
-                <a:ea typeface="+mj-ea"/>
-                <a:cs typeface="+mj-cs"/>
-                <a:sym typeface="Helvetica"/>
-              </a:defRPr>
-            </a:lvl1pPr>
-            <a:lvl2pPr marL="914400" indent="-457200" algn="l" defTabSz="546100" eaLnBrk="1" hangingPunct="1">
-              <a:lnSpc>
-                <a:spcPct val="120000"/>
-              </a:lnSpc>
-              <a:buClr>
-                <a:srgbClr val="5890FF"/>
-              </a:buClr>
-              <a:buFont typeface="Arial" panose="020B0604020202020204" pitchFamily="34" charset="0"/>
-              <a:buChar char="•"/>
-              <a:defRPr sz="6600">
-                <a:solidFill>
-                  <a:schemeClr val="bg1"/>
-                </a:solidFill>
-                <a:latin typeface="FreightSansLFPro"/>
-                <a:ea typeface="+mj-ea"/>
-                <a:cs typeface="+mj-cs"/>
-                <a:sym typeface="Helvetica"/>
-              </a:defRPr>
-            </a:lvl2pPr>
-            <a:lvl3pPr marL="1371600" indent="-457200" algn="l" defTabSz="546100" eaLnBrk="1" hangingPunct="1">
-              <a:lnSpc>
-                <a:spcPct val="120000"/>
-              </a:lnSpc>
-              <a:buClr>
-                <a:srgbClr val="5890FF"/>
-              </a:buClr>
-              <a:buFont typeface="Arial" panose="020B0604020202020204" pitchFamily="34" charset="0"/>
-              <a:buChar char="•"/>
-              <a:defRPr sz="6000">
-                <a:solidFill>
-                  <a:schemeClr val="bg1"/>
-                </a:solidFill>
-                <a:latin typeface="FreightSansLFPro"/>
-                <a:ea typeface="+mj-ea"/>
-                <a:cs typeface="+mj-cs"/>
-                <a:sym typeface="Helvetica"/>
-              </a:defRPr>
-            </a:lvl3pPr>
-            <a:lvl4pPr marL="1828800" indent="-457200" algn="l" defTabSz="546100" eaLnBrk="1" hangingPunct="1">
-              <a:lnSpc>
-                <a:spcPct val="120000"/>
-              </a:lnSpc>
-              <a:buClr>
-                <a:srgbClr val="5890FF"/>
-              </a:buClr>
-              <a:buFont typeface="Arial" panose="020B0604020202020204" pitchFamily="34" charset="0"/>
-              <a:buChar char="•"/>
-              <a:defRPr sz="5400">
-                <a:solidFill>
-                  <a:schemeClr val="bg1"/>
-                </a:solidFill>
-                <a:latin typeface="FreightSansLFPro"/>
-                <a:ea typeface="+mj-ea"/>
-                <a:cs typeface="+mj-cs"/>
-                <a:sym typeface="Helvetica"/>
-              </a:defRPr>
-            </a:lvl4pPr>
-            <a:lvl5pPr marL="2286000" indent="-457200" algn="l" defTabSz="546100" eaLnBrk="1" hangingPunct="1">
-              <a:lnSpc>
-                <a:spcPct val="120000"/>
-              </a:lnSpc>
-              <a:buClr>
-                <a:srgbClr val="5890FF"/>
-              </a:buClr>
-              <a:buFont typeface="Arial" panose="020B0604020202020204" pitchFamily="34" charset="0"/>
-              <a:buChar char="•"/>
-              <a:defRPr sz="4800">
-                <a:solidFill>
-                  <a:schemeClr val="bg1"/>
-                </a:solidFill>
-                <a:latin typeface="FreightSansLFPro"/>
-                <a:ea typeface="+mj-ea"/>
-                <a:cs typeface="+mj-cs"/>
-                <a:sym typeface="Helvetica"/>
-              </a:defRPr>
-            </a:lvl5pPr>
-            <a:lvl6pPr indent="241300" algn="ctr" defTabSz="546100" eaLnBrk="1" hangingPunct="1">
-              <a:defRPr sz="4800">
-                <a:solidFill>
-                  <a:srgbClr val="53585F"/>
-                </a:solidFill>
-                <a:latin typeface="+mj-lt"/>
-                <a:ea typeface="+mj-ea"/>
-                <a:cs typeface="+mj-cs"/>
-                <a:sym typeface="Helvetica"/>
-              </a:defRPr>
-            </a:lvl6pPr>
-            <a:lvl7pPr indent="469900" algn="ctr" defTabSz="546100" eaLnBrk="1" hangingPunct="1">
-              <a:defRPr sz="4800">
-                <a:solidFill>
-                  <a:srgbClr val="53585F"/>
-                </a:solidFill>
-                <a:latin typeface="+mj-lt"/>
-                <a:ea typeface="+mj-ea"/>
-                <a:cs typeface="+mj-cs"/>
-                <a:sym typeface="Helvetica"/>
-              </a:defRPr>
-            </a:lvl7pPr>
-            <a:lvl8pPr indent="711200" algn="ctr" defTabSz="546100" eaLnBrk="1" hangingPunct="1">
-              <a:defRPr sz="4800">
-                <a:solidFill>
-                  <a:srgbClr val="53585F"/>
-                </a:solidFill>
-                <a:latin typeface="+mj-lt"/>
-                <a:ea typeface="+mj-ea"/>
-                <a:cs typeface="+mj-cs"/>
-                <a:sym typeface="Helvetica"/>
-              </a:defRPr>
-            </a:lvl8pPr>
-            <a:lvl9pPr indent="952500" algn="ctr" defTabSz="546100" eaLnBrk="1" hangingPunct="1">
-              <a:defRPr sz="4800">
-                <a:solidFill>
-                  <a:srgbClr val="53585F"/>
-                </a:solidFill>
-                <a:latin typeface="+mj-lt"/>
-                <a:ea typeface="+mj-ea"/>
-                <a:cs typeface="+mj-cs"/>
-                <a:sym typeface="Helvetica"/>
-              </a:defRPr>
-            </a:lvl9pPr>
-          </a:lstStyle>
-          <a:p>
-            <a:pPr marL="0" indent="0">
-              <a:buFont typeface="Arial"/>
-              <a:buNone/>
-            </a:pPr>
-            <a:r>
-              <a:rPr lang="en-US" dirty="0"/>
-              <a:t>              Backend</a:t>
-            </a:r>
-          </a:p>
-          <a:p>
-            <a:pPr marL="0" indent="0">
-              <a:buFont typeface="Arial"/>
-              <a:buNone/>
-            </a:pPr>
-            <a:r>
-              <a:rPr lang="en-US" dirty="0"/>
-              <a:t>MongoDB , JavaScript</a:t>
             </a:r>
           </a:p>
         </p:txBody>
@@ -4195,6 +3836,24 @@
               <a:t> Allowing people to share their created crawls with other members</a:t>
             </a:r>
           </a:p>
+          <a:p>
+            <a:pPr marL="857250" lvl="0" indent="-857250">
+              <a:buFont typeface="Wingdings" panose="05000000000000000000" pitchFamily="2" charset="2"/>
+              <a:buChar char="Ø"/>
+            </a:pPr>
+            <a:r>
+              <a:rPr lang="en-US" dirty="0"/>
+              <a:t> </a:t>
+            </a:r>
+            <a:r>
+              <a:rPr lang="en-US" dirty="0" err="1"/>
+              <a:t>Monetising</a:t>
+            </a:r>
+            <a:r>
+              <a:rPr lang="en-US" dirty="0"/>
+              <a:t> the app</a:t>
+            </a:r>
+          </a:p>
         </p:txBody>
       </p:sp>
       <p:sp>
